--- a/13 - E-Land Services.pptx
+++ b/13 - E-Land Services.pptx
@@ -111,6 +111,22 @@
       </a:defRPr>
     </a:lvl9pPr>
   </p:defaultTextStyle>
+  <p:extLst>
+    <p:ext uri="{EFAFB233-063F-42B5-8137-9DF3F51BA10A}">
+      <p15:sldGuideLst xmlns:p15="http://schemas.microsoft.com/office/powerpoint/2012/main">
+        <p15:guide id="1" orient="horz" pos="1620">
+          <p15:clr>
+            <a:srgbClr val="A4A3A4"/>
+          </p15:clr>
+        </p15:guide>
+        <p15:guide id="2" pos="2880">
+          <p15:clr>
+            <a:srgbClr val="A4A3A4"/>
+          </p15:clr>
+        </p15:guide>
+      </p15:sldGuideLst>
+    </p:ext>
+  </p:extLst>
 </p:presentation>
 </file>
 
@@ -296,7 +312,7 @@
             <a:fld id="{411EEA48-81E0-4111-B3A6-EFDB522AC3DA}" type="datetimeFigureOut">
               <a:rPr lang="en-US" smtClean="0"/>
               <a:pPr/>
-              <a:t>8/30/2013</a:t>
+              <a:t>30-Aug-13</a:t>
             </a:fld>
             <a:endParaRPr lang="en-US"/>
           </a:p>
@@ -463,7 +479,7 @@
             <a:fld id="{411EEA48-81E0-4111-B3A6-EFDB522AC3DA}" type="datetimeFigureOut">
               <a:rPr lang="en-US" smtClean="0"/>
               <a:pPr/>
-              <a:t>8/30/2013</a:t>
+              <a:t>30-Aug-13</a:t>
             </a:fld>
             <a:endParaRPr lang="en-US"/>
           </a:p>
@@ -640,7 +656,7 @@
             <a:fld id="{411EEA48-81E0-4111-B3A6-EFDB522AC3DA}" type="datetimeFigureOut">
               <a:rPr lang="en-US" smtClean="0"/>
               <a:pPr/>
-              <a:t>8/30/2013</a:t>
+              <a:t>30-Aug-13</a:t>
             </a:fld>
             <a:endParaRPr lang="en-US"/>
           </a:p>
@@ -807,7 +823,7 @@
             <a:fld id="{411EEA48-81E0-4111-B3A6-EFDB522AC3DA}" type="datetimeFigureOut">
               <a:rPr lang="en-US" smtClean="0"/>
               <a:pPr/>
-              <a:t>8/30/2013</a:t>
+              <a:t>30-Aug-13</a:t>
             </a:fld>
             <a:endParaRPr lang="en-US"/>
           </a:p>
@@ -1050,7 +1066,7 @@
             <a:fld id="{411EEA48-81E0-4111-B3A6-EFDB522AC3DA}" type="datetimeFigureOut">
               <a:rPr lang="en-US" smtClean="0"/>
               <a:pPr/>
-              <a:t>8/30/2013</a:t>
+              <a:t>30-Aug-13</a:t>
             </a:fld>
             <a:endParaRPr lang="en-US"/>
           </a:p>
@@ -1335,7 +1351,7 @@
             <a:fld id="{411EEA48-81E0-4111-B3A6-EFDB522AC3DA}" type="datetimeFigureOut">
               <a:rPr lang="en-US" smtClean="0"/>
               <a:pPr/>
-              <a:t>8/30/2013</a:t>
+              <a:t>30-Aug-13</a:t>
             </a:fld>
             <a:endParaRPr lang="en-US"/>
           </a:p>
@@ -1754,7 +1770,7 @@
             <a:fld id="{411EEA48-81E0-4111-B3A6-EFDB522AC3DA}" type="datetimeFigureOut">
               <a:rPr lang="en-US" smtClean="0"/>
               <a:pPr/>
-              <a:t>8/30/2013</a:t>
+              <a:t>30-Aug-13</a:t>
             </a:fld>
             <a:endParaRPr lang="en-US"/>
           </a:p>
@@ -1869,7 +1885,7 @@
             <a:fld id="{411EEA48-81E0-4111-B3A6-EFDB522AC3DA}" type="datetimeFigureOut">
               <a:rPr lang="en-US" smtClean="0"/>
               <a:pPr/>
-              <a:t>8/30/2013</a:t>
+              <a:t>30-Aug-13</a:t>
             </a:fld>
             <a:endParaRPr lang="en-US"/>
           </a:p>
@@ -1961,7 +1977,7 @@
             <a:fld id="{411EEA48-81E0-4111-B3A6-EFDB522AC3DA}" type="datetimeFigureOut">
               <a:rPr lang="en-US" smtClean="0"/>
               <a:pPr/>
-              <a:t>8/30/2013</a:t>
+              <a:t>30-Aug-13</a:t>
             </a:fld>
             <a:endParaRPr lang="en-US"/>
           </a:p>
@@ -2235,7 +2251,7 @@
             <a:fld id="{411EEA48-81E0-4111-B3A6-EFDB522AC3DA}" type="datetimeFigureOut">
               <a:rPr lang="en-US" smtClean="0"/>
               <a:pPr/>
-              <a:t>8/30/2013</a:t>
+              <a:t>30-Aug-13</a:t>
             </a:fld>
             <a:endParaRPr lang="en-US"/>
           </a:p>
@@ -2485,7 +2501,7 @@
             <a:fld id="{411EEA48-81E0-4111-B3A6-EFDB522AC3DA}" type="datetimeFigureOut">
               <a:rPr lang="en-US" smtClean="0"/>
               <a:pPr/>
-              <a:t>8/30/2013</a:t>
+              <a:t>30-Aug-13</a:t>
             </a:fld>
             <a:endParaRPr lang="en-US"/>
           </a:p>
@@ -2704,7 +2720,7 @@
             <a:fld id="{411EEA48-81E0-4111-B3A6-EFDB522AC3DA}" type="datetimeFigureOut">
               <a:rPr lang="en-US" smtClean="0"/>
               <a:pPr/>
-              <a:t>8/30/2013</a:t>
+              <a:t>30-Aug-13</a:t>
             </a:fld>
             <a:endParaRPr lang="en-US"/>
           </a:p>
@@ -3115,7 +3131,15 @@
                   <a:srgbClr val="FFC000"/>
                 </a:solidFill>
               </a:rPr>
-              <a:t>E-Land Services </a:t>
+              <a:t>E-Land </a:t>
+            </a:r>
+            <a:r>
+              <a:rPr lang="en-US" b="1" dirty="0" smtClean="0">
+                <a:solidFill>
+                  <a:srgbClr val="FFC000"/>
+                </a:solidFill>
+              </a:rPr>
+              <a:t>Services </a:t>
             </a:r>
             <a:endParaRPr lang="en-US" b="1" dirty="0">
               <a:solidFill>
@@ -3269,7 +3293,7 @@
                   </a:schemeClr>
                 </a:solidFill>
               </a:rPr>
-              <a:t>An application for LD tax payment, </a:t>
+              <a:t>An application </a:t>
             </a:r>
             <a:r>
               <a:rPr lang="en-US" dirty="0" smtClean="0">
@@ -3280,7 +3304,7 @@
                   </a:schemeClr>
                 </a:solidFill>
               </a:rPr>
-              <a:t>mutation services and </a:t>
+              <a:t>to provide information about  </a:t>
             </a:r>
             <a:r>
               <a:rPr lang="en-US" dirty="0" smtClean="0">
@@ -3291,10 +3315,10 @@
                   </a:schemeClr>
                 </a:solidFill>
               </a:rPr>
-              <a:t>to provide </a:t>
-            </a:r>
-            <a:r>
-              <a:rPr lang="en-US" smtClean="0">
+              <a:t>LD tax </a:t>
+            </a:r>
+            <a:r>
+              <a:rPr lang="en-US" dirty="0">
                 <a:solidFill>
                   <a:schemeClr val="tx2">
                     <a:lumMod val="60000"/>
@@ -3302,7 +3326,7 @@
                   </a:schemeClr>
                 </a:solidFill>
               </a:rPr>
-              <a:t>land owner’s information</a:t>
+              <a:t>payment for land owner </a:t>
             </a:r>
             <a:r>
               <a:rPr lang="en-US" dirty="0" smtClean="0">
@@ -3313,7 +3337,29 @@
                   </a:schemeClr>
                 </a:solidFill>
               </a:rPr>
-              <a:t>.</a:t>
+              <a:t>and mutation </a:t>
+            </a:r>
+            <a:r>
+              <a:rPr lang="en-US" dirty="0" smtClean="0">
+                <a:solidFill>
+                  <a:schemeClr val="tx2">
+                    <a:lumMod val="60000"/>
+                    <a:lumOff val="40000"/>
+                  </a:schemeClr>
+                </a:solidFill>
+              </a:rPr>
+              <a:t>services </a:t>
+            </a:r>
+            <a:r>
+              <a:rPr lang="en-US" dirty="0" smtClean="0">
+                <a:solidFill>
+                  <a:schemeClr val="tx2">
+                    <a:lumMod val="60000"/>
+                    <a:lumOff val="40000"/>
+                  </a:schemeClr>
+                </a:solidFill>
+              </a:rPr>
+              <a:t>for applicant.</a:t>
             </a:r>
             <a:endParaRPr lang="en-US" dirty="0"/>
           </a:p>
@@ -3416,17 +3462,7 @@
                   </a:schemeClr>
                 </a:solidFill>
               </a:rPr>
-              <a:t> </a:t>
-            </a:r>
-            <a:r>
-              <a:rPr lang="en-US" sz="2400" i="1" dirty="0" smtClean="0">
-                <a:solidFill>
-                  <a:schemeClr val="tx1">
-                    <a:tint val="75000"/>
-                  </a:schemeClr>
-                </a:solidFill>
-              </a:rPr>
-              <a:t>Registration</a:t>
+              <a:t> Registration</a:t>
             </a:r>
           </a:p>
           <a:p>
